--- a/graphAlgorithms/mst/figs.pptx
+++ b/graphAlgorithms/mst/figs.pptx
@@ -17916,7 +17916,7 @@
               <a:avLst/>
             </a:prstGeom>
             <a:solidFill>
-              <a:schemeClr val="bg1"/>
+              <a:srgbClr val="FFFFE0"/>
             </a:solidFill>
           </p:spPr>
           <p:txBody>
